--- a/docs/diagrams/OpenCloseDiagram.pptx
+++ b/docs/diagrams/OpenCloseDiagram.pptx
@@ -212,7 +212,7 @@
           <a:p>
             <a:fld id="{F5CC4B3F-88C1-4FFA-B1B6-F41C21DC6924}" type="datetimeFigureOut">
               <a:rPr lang="en-US" smtClean="0"/>
-              <a:t>7/12/2017</a:t>
+              <a:t>7/18/2017</a:t>
             </a:fld>
             <a:endParaRPr lang="en-US"/>
           </a:p>
@@ -658,7 +658,7 @@
           <a:p>
             <a:fld id="{78C97017-6FC3-485B-9764-EAC9E56C1D49}" type="datetimeFigureOut">
               <a:rPr lang="en-US" smtClean="0"/>
-              <a:t>7/12/2017</a:t>
+              <a:t>7/18/2017</a:t>
             </a:fld>
             <a:endParaRPr lang="en-US"/>
           </a:p>
@@ -826,7 +826,7 @@
           <a:p>
             <a:fld id="{78C97017-6FC3-485B-9764-EAC9E56C1D49}" type="datetimeFigureOut">
               <a:rPr lang="en-US" smtClean="0"/>
-              <a:t>7/12/2017</a:t>
+              <a:t>7/18/2017</a:t>
             </a:fld>
             <a:endParaRPr lang="en-US"/>
           </a:p>
@@ -1004,7 +1004,7 @@
           <a:p>
             <a:fld id="{78C97017-6FC3-485B-9764-EAC9E56C1D49}" type="datetimeFigureOut">
               <a:rPr lang="en-US" smtClean="0"/>
-              <a:t>7/12/2017</a:t>
+              <a:t>7/18/2017</a:t>
             </a:fld>
             <a:endParaRPr lang="en-US"/>
           </a:p>
@@ -1172,7 +1172,7 @@
           <a:p>
             <a:fld id="{78C97017-6FC3-485B-9764-EAC9E56C1D49}" type="datetimeFigureOut">
               <a:rPr lang="en-US" smtClean="0"/>
-              <a:t>7/12/2017</a:t>
+              <a:t>7/18/2017</a:t>
             </a:fld>
             <a:endParaRPr lang="en-US"/>
           </a:p>
@@ -1417,7 +1417,7 @@
           <a:p>
             <a:fld id="{78C97017-6FC3-485B-9764-EAC9E56C1D49}" type="datetimeFigureOut">
               <a:rPr lang="en-US" smtClean="0"/>
-              <a:t>7/12/2017</a:t>
+              <a:t>7/18/2017</a:t>
             </a:fld>
             <a:endParaRPr lang="en-US"/>
           </a:p>
@@ -1702,7 +1702,7 @@
           <a:p>
             <a:fld id="{78C97017-6FC3-485B-9764-EAC9E56C1D49}" type="datetimeFigureOut">
               <a:rPr lang="en-US" smtClean="0"/>
-              <a:t>7/12/2017</a:t>
+              <a:t>7/18/2017</a:t>
             </a:fld>
             <a:endParaRPr lang="en-US"/>
           </a:p>
@@ -2121,7 +2121,7 @@
           <a:p>
             <a:fld id="{78C97017-6FC3-485B-9764-EAC9E56C1D49}" type="datetimeFigureOut">
               <a:rPr lang="en-US" smtClean="0"/>
-              <a:t>7/12/2017</a:t>
+              <a:t>7/18/2017</a:t>
             </a:fld>
             <a:endParaRPr lang="en-US"/>
           </a:p>
@@ -2238,7 +2238,7 @@
           <a:p>
             <a:fld id="{78C97017-6FC3-485B-9764-EAC9E56C1D49}" type="datetimeFigureOut">
               <a:rPr lang="en-US" smtClean="0"/>
-              <a:t>7/12/2017</a:t>
+              <a:t>7/18/2017</a:t>
             </a:fld>
             <a:endParaRPr lang="en-US"/>
           </a:p>
@@ -2333,7 +2333,7 @@
           <a:p>
             <a:fld id="{78C97017-6FC3-485B-9764-EAC9E56C1D49}" type="datetimeFigureOut">
               <a:rPr lang="en-US" smtClean="0"/>
-              <a:t>7/12/2017</a:t>
+              <a:t>7/18/2017</a:t>
             </a:fld>
             <a:endParaRPr lang="en-US"/>
           </a:p>
@@ -2608,7 +2608,7 @@
           <a:p>
             <a:fld id="{78C97017-6FC3-485B-9764-EAC9E56C1D49}" type="datetimeFigureOut">
               <a:rPr lang="en-US" smtClean="0"/>
-              <a:t>7/12/2017</a:t>
+              <a:t>7/18/2017</a:t>
             </a:fld>
             <a:endParaRPr lang="en-US"/>
           </a:p>
@@ -2860,7 +2860,7 @@
           <a:p>
             <a:fld id="{78C97017-6FC3-485B-9764-EAC9E56C1D49}" type="datetimeFigureOut">
               <a:rPr lang="en-US" smtClean="0"/>
-              <a:t>7/12/2017</a:t>
+              <a:t>7/18/2017</a:t>
             </a:fld>
             <a:endParaRPr lang="en-US"/>
           </a:p>
@@ -3071,7 +3071,7 @@
           <a:p>
             <a:fld id="{78C97017-6FC3-485B-9764-EAC9E56C1D49}" type="datetimeFigureOut">
               <a:rPr lang="en-US" smtClean="0"/>
-              <a:t>7/12/2017</a:t>
+              <a:t>7/18/2017</a:t>
             </a:fld>
             <a:endParaRPr lang="en-US"/>
           </a:p>
@@ -3500,90 +3500,12 @@
           </a:p>
         </p:txBody>
       </p:sp>
-      <p:cxnSp>
-        <p:nvCxnSpPr>
-          <p:cNvPr id="13" name="Straight Arrow Connector 12"/>
-          <p:cNvCxnSpPr>
-            <a:cxnSpLocks/>
-            <a:stCxn id="44" idx="0"/>
-          </p:cNvCxnSpPr>
-          <p:nvPr/>
-        </p:nvCxnSpPr>
-        <p:spPr>
-          <a:xfrm flipV="1">
-            <a:off x="1606166" y="2674869"/>
-            <a:ext cx="1981200" cy="1240320"/>
-          </a:xfrm>
-          <a:prstGeom prst="straightConnector1">
-            <a:avLst/>
-          </a:prstGeom>
-          <a:ln w="28575">
-            <a:solidFill>
-              <a:srgbClr val="0070C0"/>
-            </a:solidFill>
-            <a:tailEnd type="arrow"/>
-          </a:ln>
-        </p:spPr>
-        <p:style>
-          <a:lnRef idx="1">
-            <a:schemeClr val="accent1"/>
-          </a:lnRef>
-          <a:fillRef idx="0">
-            <a:schemeClr val="accent1"/>
-          </a:fillRef>
-          <a:effectRef idx="0">
-            <a:schemeClr val="accent1"/>
-          </a:effectRef>
-          <a:fontRef idx="minor">
-            <a:schemeClr val="tx1"/>
-          </a:fontRef>
-        </p:style>
-      </p:cxnSp>
-      <p:cxnSp>
-        <p:nvCxnSpPr>
-          <p:cNvPr id="16" name="Straight Arrow Connector 15"/>
-          <p:cNvCxnSpPr>
-            <a:cxnSpLocks/>
-            <a:stCxn id="41" idx="0"/>
-          </p:cNvCxnSpPr>
-          <p:nvPr/>
-        </p:nvCxnSpPr>
-        <p:spPr>
-          <a:xfrm flipV="1">
-            <a:off x="3587366" y="2674869"/>
-            <a:ext cx="603634" cy="1233694"/>
-          </a:xfrm>
-          <a:prstGeom prst="straightConnector1">
-            <a:avLst/>
-          </a:prstGeom>
-          <a:ln w="28575">
-            <a:solidFill>
-              <a:srgbClr val="0070C0"/>
-            </a:solidFill>
-            <a:tailEnd type="arrow"/>
-          </a:ln>
-        </p:spPr>
-        <p:style>
-          <a:lnRef idx="1">
-            <a:schemeClr val="accent1"/>
-          </a:lnRef>
-          <a:fillRef idx="0">
-            <a:schemeClr val="accent1"/>
-          </a:fillRef>
-          <a:effectRef idx="0">
-            <a:schemeClr val="accent1"/>
-          </a:effectRef>
-          <a:fontRef idx="minor">
-            <a:schemeClr val="tx1"/>
-          </a:fontRef>
-        </p:style>
-      </p:cxnSp>
       <p:graphicFrame>
         <p:nvGraphicFramePr>
           <p:cNvPr id="41" name="Table 40">
             <a:extLst>
               <a:ext uri="{FF2B5EF4-FFF2-40B4-BE49-F238E27FC236}">
-                <a16:creationId xmlns:a16="http://schemas.microsoft.com/office/drawing/2014/main" id="{E03292FD-CA03-4609-928E-6EEDC3B12B85}"/>
+                <a16:creationId xmlns:a16="http://schemas.microsoft.com/office/drawing/2014/main" xmlns="" id="{E03292FD-CA03-4609-928E-6EEDC3B12B85}"/>
               </a:ext>
             </a:extLst>
           </p:cNvPr>
@@ -3612,7 +3534,7 @@
                 <a:gridCol w="1893069">
                   <a:extLst>
                     <a:ext uri="{9D8B030D-6E8A-4147-A177-3AD203B41FA5}">
-                      <a16:colId xmlns:a16="http://schemas.microsoft.com/office/drawing/2014/main" val="3078842199"/>
+                      <a16:colId xmlns:a16="http://schemas.microsoft.com/office/drawing/2014/main" xmlns="" val="3078842199"/>
                     </a:ext>
                   </a:extLst>
                 </a:gridCol>
@@ -3643,7 +3565,7 @@
                 </a:tc>
                 <a:extLst>
                   <a:ext uri="{0D108BD9-81ED-4DB2-BD59-A6C34878D82A}">
-                    <a16:rowId xmlns:a16="http://schemas.microsoft.com/office/drawing/2014/main" val="3155656403"/>
+                    <a16:rowId xmlns:a16="http://schemas.microsoft.com/office/drawing/2014/main" xmlns="" val="3155656403"/>
                   </a:ext>
                 </a:extLst>
               </a:tr>
@@ -3663,7 +3585,7 @@
                 </a:tc>
                 <a:extLst>
                   <a:ext uri="{0D108BD9-81ED-4DB2-BD59-A6C34878D82A}">
-                    <a16:rowId xmlns:a16="http://schemas.microsoft.com/office/drawing/2014/main" val="261370870"/>
+                    <a16:rowId xmlns:a16="http://schemas.microsoft.com/office/drawing/2014/main" xmlns="" val="261370870"/>
                   </a:ext>
                 </a:extLst>
               </a:tr>
@@ -3676,7 +3598,7 @@
           <p:cNvPr id="44" name="Table 43">
             <a:extLst>
               <a:ext uri="{FF2B5EF4-FFF2-40B4-BE49-F238E27FC236}">
-                <a16:creationId xmlns:a16="http://schemas.microsoft.com/office/drawing/2014/main" id="{0CE50557-0CE6-480A-B510-902CDDC0F2EB}"/>
+                <a16:creationId xmlns:a16="http://schemas.microsoft.com/office/drawing/2014/main" xmlns="" id="{0CE50557-0CE6-480A-B510-902CDDC0F2EB}"/>
               </a:ext>
             </a:extLst>
           </p:cNvPr>
@@ -3705,7 +3627,7 @@
                 <a:gridCol w="1893069">
                   <a:extLst>
                     <a:ext uri="{9D8B030D-6E8A-4147-A177-3AD203B41FA5}">
-                      <a16:colId xmlns:a16="http://schemas.microsoft.com/office/drawing/2014/main" val="3078842199"/>
+                      <a16:colId xmlns:a16="http://schemas.microsoft.com/office/drawing/2014/main" xmlns="" val="3078842199"/>
                     </a:ext>
                   </a:extLst>
                 </a:gridCol>
@@ -3736,7 +3658,7 @@
                 </a:tc>
                 <a:extLst>
                   <a:ext uri="{0D108BD9-81ED-4DB2-BD59-A6C34878D82A}">
-                    <a16:rowId xmlns:a16="http://schemas.microsoft.com/office/drawing/2014/main" val="3155656403"/>
+                    <a16:rowId xmlns:a16="http://schemas.microsoft.com/office/drawing/2014/main" xmlns="" val="3155656403"/>
                   </a:ext>
                 </a:extLst>
               </a:tr>
@@ -3756,7 +3678,7 @@
                 </a:tc>
                 <a:extLst>
                   <a:ext uri="{0D108BD9-81ED-4DB2-BD59-A6C34878D82A}">
-                    <a16:rowId xmlns:a16="http://schemas.microsoft.com/office/drawing/2014/main" val="261370870"/>
+                    <a16:rowId xmlns:a16="http://schemas.microsoft.com/office/drawing/2014/main" xmlns="" val="261370870"/>
                   </a:ext>
                 </a:extLst>
               </a:tr>
@@ -3769,7 +3691,7 @@
           <p:cNvPr id="45" name="Table 44">
             <a:extLst>
               <a:ext uri="{FF2B5EF4-FFF2-40B4-BE49-F238E27FC236}">
-                <a16:creationId xmlns:a16="http://schemas.microsoft.com/office/drawing/2014/main" id="{BDF23C31-43DA-414E-8481-E4C3DFA69C57}"/>
+                <a16:creationId xmlns:a16="http://schemas.microsoft.com/office/drawing/2014/main" xmlns="" id="{BDF23C31-43DA-414E-8481-E4C3DFA69C57}"/>
               </a:ext>
             </a:extLst>
           </p:cNvPr>
@@ -3798,7 +3720,7 @@
                 <a:gridCol w="1893069">
                   <a:extLst>
                     <a:ext uri="{9D8B030D-6E8A-4147-A177-3AD203B41FA5}">
-                      <a16:colId xmlns:a16="http://schemas.microsoft.com/office/drawing/2014/main" val="3078842199"/>
+                      <a16:colId xmlns:a16="http://schemas.microsoft.com/office/drawing/2014/main" xmlns="" val="3078842199"/>
                     </a:ext>
                   </a:extLst>
                 </a:gridCol>
@@ -3824,7 +3746,7 @@
                 </a:tc>
                 <a:extLst>
                   <a:ext uri="{0D108BD9-81ED-4DB2-BD59-A6C34878D82A}">
-                    <a16:rowId xmlns:a16="http://schemas.microsoft.com/office/drawing/2014/main" val="3155656403"/>
+                    <a16:rowId xmlns:a16="http://schemas.microsoft.com/office/drawing/2014/main" xmlns="" val="3155656403"/>
                   </a:ext>
                 </a:extLst>
               </a:tr>
@@ -3844,7 +3766,7 @@
                 </a:tc>
                 <a:extLst>
                   <a:ext uri="{0D108BD9-81ED-4DB2-BD59-A6C34878D82A}">
-                    <a16:rowId xmlns:a16="http://schemas.microsoft.com/office/drawing/2014/main" val="261370870"/>
+                    <a16:rowId xmlns:a16="http://schemas.microsoft.com/office/drawing/2014/main" xmlns="" val="261370870"/>
                   </a:ext>
                 </a:extLst>
               </a:tr>
@@ -3857,7 +3779,7 @@
           <p:cNvPr id="46" name="Table 45">
             <a:extLst>
               <a:ext uri="{FF2B5EF4-FFF2-40B4-BE49-F238E27FC236}">
-                <a16:creationId xmlns:a16="http://schemas.microsoft.com/office/drawing/2014/main" id="{B340BDAA-35C3-43EC-BDC4-742C842AE17D}"/>
+                <a16:creationId xmlns:a16="http://schemas.microsoft.com/office/drawing/2014/main" xmlns="" id="{B340BDAA-35C3-43EC-BDC4-742C842AE17D}"/>
               </a:ext>
             </a:extLst>
           </p:cNvPr>
@@ -3886,7 +3808,7 @@
                 <a:gridCol w="1893069">
                   <a:extLst>
                     <a:ext uri="{9D8B030D-6E8A-4147-A177-3AD203B41FA5}">
-                      <a16:colId xmlns:a16="http://schemas.microsoft.com/office/drawing/2014/main" val="3078842199"/>
+                      <a16:colId xmlns:a16="http://schemas.microsoft.com/office/drawing/2014/main" xmlns="" val="3078842199"/>
                     </a:ext>
                   </a:extLst>
                 </a:gridCol>
@@ -3917,7 +3839,7 @@
                 </a:tc>
                 <a:extLst>
                   <a:ext uri="{0D108BD9-81ED-4DB2-BD59-A6C34878D82A}">
-                    <a16:rowId xmlns:a16="http://schemas.microsoft.com/office/drawing/2014/main" val="3155656403"/>
+                    <a16:rowId xmlns:a16="http://schemas.microsoft.com/office/drawing/2014/main" xmlns="" val="3155656403"/>
                   </a:ext>
                 </a:extLst>
               </a:tr>
@@ -3937,7 +3859,7 @@
                 </a:tc>
                 <a:extLst>
                   <a:ext uri="{0D108BD9-81ED-4DB2-BD59-A6C34878D82A}">
-                    <a16:rowId xmlns:a16="http://schemas.microsoft.com/office/drawing/2014/main" val="261370870"/>
+                    <a16:rowId xmlns:a16="http://schemas.microsoft.com/office/drawing/2014/main" xmlns="" val="261370870"/>
                   </a:ext>
                 </a:extLst>
               </a:tr>
@@ -3950,7 +3872,7 @@
           <p:cNvPr id="47" name="Table 46">
             <a:extLst>
               <a:ext uri="{FF2B5EF4-FFF2-40B4-BE49-F238E27FC236}">
-                <a16:creationId xmlns:a16="http://schemas.microsoft.com/office/drawing/2014/main" id="{DEC2BB2D-6F6A-4362-8936-1934BE534132}"/>
+                <a16:creationId xmlns:a16="http://schemas.microsoft.com/office/drawing/2014/main" xmlns="" id="{DEC2BB2D-6F6A-4362-8936-1934BE534132}"/>
               </a:ext>
             </a:extLst>
           </p:cNvPr>
@@ -3979,7 +3901,7 @@
                 <a:gridCol w="1893069">
                   <a:extLst>
                     <a:ext uri="{9D8B030D-6E8A-4147-A177-3AD203B41FA5}">
-                      <a16:colId xmlns:a16="http://schemas.microsoft.com/office/drawing/2014/main" val="3078842199"/>
+                      <a16:colId xmlns:a16="http://schemas.microsoft.com/office/drawing/2014/main" xmlns="" val="3078842199"/>
                     </a:ext>
                   </a:extLst>
                 </a:gridCol>
@@ -4010,7 +3932,7 @@
                 </a:tc>
                 <a:extLst>
                   <a:ext uri="{0D108BD9-81ED-4DB2-BD59-A6C34878D82A}">
-                    <a16:rowId xmlns:a16="http://schemas.microsoft.com/office/drawing/2014/main" val="3155656403"/>
+                    <a16:rowId xmlns:a16="http://schemas.microsoft.com/office/drawing/2014/main" xmlns="" val="3155656403"/>
                   </a:ext>
                 </a:extLst>
               </a:tr>
@@ -4030,7 +3952,7 @@
                 </a:tc>
                 <a:extLst>
                   <a:ext uri="{0D108BD9-81ED-4DB2-BD59-A6C34878D82A}">
-                    <a16:rowId xmlns:a16="http://schemas.microsoft.com/office/drawing/2014/main" val="261370870"/>
+                    <a16:rowId xmlns:a16="http://schemas.microsoft.com/office/drawing/2014/main" xmlns="" val="261370870"/>
                   </a:ext>
                 </a:extLst>
               </a:tr>
@@ -4038,35 +3960,56 @@
           </a:graphicData>
         </a:graphic>
       </p:graphicFrame>
-      <p:cxnSp>
-        <p:nvCxnSpPr>
-          <p:cNvPr id="48" name="Straight Arrow Connector 47">
+      <p:sp>
+        <p:nvSpPr>
+          <p:cNvPr id="52" name="TextBox 51">
             <a:extLst>
               <a:ext uri="{FF2B5EF4-FFF2-40B4-BE49-F238E27FC236}">
-                <a16:creationId xmlns:a16="http://schemas.microsoft.com/office/drawing/2014/main" id="{F42782B6-B4CB-45E1-98B8-519C92B6E424}"/>
+                <a16:creationId xmlns:a16="http://schemas.microsoft.com/office/drawing/2014/main" xmlns="" id="{675623A6-921E-4CF0-B430-CFF4B563B082}"/>
               </a:ext>
             </a:extLst>
           </p:cNvPr>
-          <p:cNvCxnSpPr>
-            <a:cxnSpLocks/>
-            <a:stCxn id="45" idx="0"/>
-          </p:cNvCxnSpPr>
+          <p:cNvSpPr txBox="1"/>
+          <p:nvPr/>
+        </p:nvSpPr>
+        <p:spPr>
+          <a:xfrm>
+            <a:off x="457200" y="1592332"/>
+            <a:ext cx="1905000" cy="369332"/>
+          </a:xfrm>
+          <a:prstGeom prst="rect">
+            <a:avLst/>
+          </a:prstGeom>
+          <a:noFill/>
+        </p:spPr>
+        <p:txBody>
+          <a:bodyPr wrap="square" rtlCol="0">
+            <a:spAutoFit/>
+          </a:bodyPr>
+          <a:lstStyle/>
+          <a:p>
+            <a:r>
+              <a:rPr lang="en-SG" b="1" dirty="0" err="1"/>
+              <a:t>logic.commands</a:t>
+            </a:r>
+            <a:endParaRPr lang="en-SG" b="1" dirty="0"/>
+          </a:p>
+        </p:txBody>
+      </p:sp>
+      <p:cxnSp>
+        <p:nvCxnSpPr>
+          <p:cNvPr id="7" name="直接连接符 6"/>
+          <p:cNvCxnSpPr/>
           <p:nvPr/>
         </p:nvCxnSpPr>
         <p:spPr>
-          <a:xfrm flipH="1" flipV="1">
-            <a:off x="4876800" y="2674869"/>
-            <a:ext cx="695079" cy="1233694"/>
+          <a:xfrm flipV="1">
+            <a:off x="1606166" y="3429000"/>
+            <a:ext cx="0" cy="479563"/>
           </a:xfrm>
-          <a:prstGeom prst="straightConnector1">
+          <a:prstGeom prst="line">
             <a:avLst/>
           </a:prstGeom>
-          <a:ln w="28575">
-            <a:solidFill>
-              <a:srgbClr val="0070C0"/>
-            </a:solidFill>
-            <a:tailEnd type="arrow"/>
-          </a:ln>
         </p:spPr>
         <p:style>
           <a:lnRef idx="1">
@@ -4085,33 +4028,18 @@
       </p:cxnSp>
       <p:cxnSp>
         <p:nvCxnSpPr>
-          <p:cNvPr id="49" name="Straight Arrow Connector 48">
-            <a:extLst>
-              <a:ext uri="{FF2B5EF4-FFF2-40B4-BE49-F238E27FC236}">
-                <a16:creationId xmlns:a16="http://schemas.microsoft.com/office/drawing/2014/main" id="{913D5460-27BD-432D-9A13-9DBBB4006288}"/>
-              </a:ext>
-            </a:extLst>
-          </p:cNvPr>
-          <p:cNvCxnSpPr>
-            <a:cxnSpLocks/>
-            <a:stCxn id="46" idx="0"/>
-          </p:cNvCxnSpPr>
+          <p:cNvPr id="24" name="直接连接符 23"/>
+          <p:cNvCxnSpPr/>
           <p:nvPr/>
         </p:nvCxnSpPr>
         <p:spPr>
-          <a:xfrm flipH="1" flipV="1">
-            <a:off x="5480436" y="2674869"/>
-            <a:ext cx="2075956" cy="1246946"/>
+          <a:xfrm flipV="1">
+            <a:off x="3587366" y="3428999"/>
+            <a:ext cx="0" cy="479563"/>
           </a:xfrm>
-          <a:prstGeom prst="straightConnector1">
+          <a:prstGeom prst="line">
             <a:avLst/>
           </a:prstGeom>
-          <a:ln w="28575">
-            <a:solidFill>
-              <a:srgbClr val="0070C0"/>
-            </a:solidFill>
-            <a:tailEnd type="arrow"/>
-          </a:ln>
         </p:spPr>
         <p:style>
           <a:lnRef idx="1">
@@ -4128,39 +4056,165 @@
           </a:fontRef>
         </p:style>
       </p:cxnSp>
-      <p:sp>
-        <p:nvSpPr>
-          <p:cNvPr id="52" name="TextBox 51">
-            <a:extLst>
-              <a:ext uri="{FF2B5EF4-FFF2-40B4-BE49-F238E27FC236}">
-                <a16:creationId xmlns:a16="http://schemas.microsoft.com/office/drawing/2014/main" id="{675623A6-921E-4CF0-B430-CFF4B563B082}"/>
-              </a:ext>
-            </a:extLst>
-          </p:cNvPr>
-          <p:cNvSpPr txBox="1"/>
+      <p:cxnSp>
+        <p:nvCxnSpPr>
+          <p:cNvPr id="25" name="直接连接符 24"/>
+          <p:cNvCxnSpPr/>
           <p:nvPr/>
-        </p:nvSpPr>
+        </p:nvCxnSpPr>
+        <p:spPr>
+          <a:xfrm flipV="1">
+            <a:off x="5526315" y="3442252"/>
+            <a:ext cx="0" cy="479563"/>
+          </a:xfrm>
+          <a:prstGeom prst="line">
+            <a:avLst/>
+          </a:prstGeom>
+        </p:spPr>
+        <p:style>
+          <a:lnRef idx="1">
+            <a:schemeClr val="accent1"/>
+          </a:lnRef>
+          <a:fillRef idx="0">
+            <a:schemeClr val="accent1"/>
+          </a:fillRef>
+          <a:effectRef idx="0">
+            <a:schemeClr val="accent1"/>
+          </a:effectRef>
+          <a:fontRef idx="minor">
+            <a:schemeClr val="tx1"/>
+          </a:fontRef>
+        </p:style>
+      </p:cxnSp>
+      <p:cxnSp>
+        <p:nvCxnSpPr>
+          <p:cNvPr id="26" name="直接连接符 25"/>
+          <p:cNvCxnSpPr/>
+          <p:nvPr/>
+        </p:nvCxnSpPr>
+        <p:spPr>
+          <a:xfrm flipV="1">
+            <a:off x="7529701" y="3442252"/>
+            <a:ext cx="0" cy="479563"/>
+          </a:xfrm>
+          <a:prstGeom prst="line">
+            <a:avLst/>
+          </a:prstGeom>
+        </p:spPr>
+        <p:style>
+          <a:lnRef idx="1">
+            <a:schemeClr val="accent1"/>
+          </a:lnRef>
+          <a:fillRef idx="0">
+            <a:schemeClr val="accent1"/>
+          </a:fillRef>
+          <a:effectRef idx="0">
+            <a:schemeClr val="accent1"/>
+          </a:effectRef>
+          <a:fontRef idx="minor">
+            <a:schemeClr val="tx1"/>
+          </a:fontRef>
+        </p:style>
+      </p:cxnSp>
+      <p:cxnSp>
+        <p:nvCxnSpPr>
+          <p:cNvPr id="10" name="直接连接符 9"/>
+          <p:cNvCxnSpPr/>
+          <p:nvPr/>
+        </p:nvCxnSpPr>
         <p:spPr>
           <a:xfrm>
-            <a:off x="457200" y="1592332"/>
-            <a:ext cx="1905000" cy="369332"/>
+            <a:off x="1606166" y="3428999"/>
+            <a:ext cx="5923535" cy="0"/>
           </a:xfrm>
-          <a:prstGeom prst="rect">
+          <a:prstGeom prst="line">
             <a:avLst/>
           </a:prstGeom>
-          <a:noFill/>
         </p:spPr>
-        <p:txBody>
-          <a:bodyPr wrap="square" rtlCol="0">
-            <a:spAutoFit/>
-          </a:bodyPr>
+        <p:style>
+          <a:lnRef idx="1">
+            <a:schemeClr val="accent1"/>
+          </a:lnRef>
+          <a:fillRef idx="0">
+            <a:schemeClr val="accent1"/>
+          </a:fillRef>
+          <a:effectRef idx="0">
+            <a:schemeClr val="accent1"/>
+          </a:effectRef>
+          <a:fontRef idx="minor">
+            <a:schemeClr val="tx1"/>
+          </a:fontRef>
+        </p:style>
+      </p:cxnSp>
+      <p:cxnSp>
+        <p:nvCxnSpPr>
+          <p:cNvPr id="14" name="直接连接符 13"/>
+          <p:cNvCxnSpPr>
+            <a:endCxn id="17" idx="3"/>
+          </p:cNvCxnSpPr>
+          <p:nvPr/>
+        </p:nvCxnSpPr>
+        <p:spPr>
+          <a:xfrm flipV="1">
+            <a:off x="4533900" y="3011419"/>
+            <a:ext cx="0" cy="417581"/>
+          </a:xfrm>
+          <a:prstGeom prst="line">
+            <a:avLst/>
+          </a:prstGeom>
+        </p:spPr>
+        <p:style>
+          <a:lnRef idx="1">
+            <a:schemeClr val="accent1"/>
+          </a:lnRef>
+          <a:fillRef idx="0">
+            <a:schemeClr val="accent1"/>
+          </a:fillRef>
+          <a:effectRef idx="0">
+            <a:schemeClr val="accent1"/>
+          </a:effectRef>
+          <a:fontRef idx="minor">
+            <a:schemeClr val="tx1"/>
+          </a:fontRef>
+        </p:style>
+      </p:cxnSp>
+      <p:sp>
+        <p:nvSpPr>
+          <p:cNvPr id="17" name="等腰三角形 16"/>
+          <p:cNvSpPr/>
+          <p:nvPr/>
+        </p:nvSpPr>
+        <p:spPr>
+          <a:xfrm>
+            <a:off x="4305300" y="2695437"/>
+            <a:ext cx="457200" cy="315982"/>
+          </a:xfrm>
+          <a:prstGeom prst="triangle">
+            <a:avLst/>
+          </a:prstGeom>
+        </p:spPr>
+        <p:style>
+          <a:lnRef idx="2">
+            <a:schemeClr val="accent1">
+              <a:shade val="50000"/>
+            </a:schemeClr>
+          </a:lnRef>
+          <a:fillRef idx="1">
+            <a:schemeClr val="accent1"/>
+          </a:fillRef>
+          <a:effectRef idx="0">
+            <a:schemeClr val="accent1"/>
+          </a:effectRef>
+          <a:fontRef idx="minor">
+            <a:schemeClr val="lt1"/>
+          </a:fontRef>
+        </p:style>
+        <p:txBody>
+          <a:bodyPr rtlCol="0" anchor="ctr"/>
           <a:lstStyle/>
           <a:p>
-            <a:r>
-              <a:rPr lang="en-SG" b="1" dirty="0" err="1"/>
-              <a:t>logic.commands</a:t>
-            </a:r>
-            <a:endParaRPr lang="en-SG" b="1" dirty="0"/>
+            <a:pPr algn="ctr"/>
+            <a:endParaRPr lang="en-SG"/>
           </a:p>
         </p:txBody>
       </p:sp>
